--- a/lesson08.pptx
+++ b/lesson08.pptx
@@ -173,7 +173,7 @@
 <file path=ppt/revisionInfo.xml><?xml version="1.0" encoding="utf-8"?>
 <p1510:revInfo xmlns:a="http://schemas.openxmlformats.org/drawingml/2006/main" xmlns:r="http://schemas.openxmlformats.org/officeDocument/2006/relationships" xmlns:p1510="http://schemas.microsoft.com/office/powerpoint/2015/10/main">
   <p1510:revLst>
-    <p1510:client id="{383C8295-2CAC-408C-8A6B-29240977C504}" v="28" dt="2021-11-05T20:19:40.733"/>
+    <p1510:client id="{383C8295-2CAC-408C-8A6B-29240977C504}" v="35" dt="2021-11-06T07:17:59.501"/>
   </p1510:revLst>
 </p1510:revInfo>
 </file>
@@ -299,7 +299,7 @@
   <pc:docChgLst>
     <pc:chgData name="Anatoliy Kigel" userId="7432c6c4687b0a9c" providerId="LiveId" clId="{383C8295-2CAC-408C-8A6B-29240977C504}"/>
     <pc:docChg chg="undo redo custSel modSld">
-      <pc:chgData name="Anatoliy Kigel" userId="7432c6c4687b0a9c" providerId="LiveId" clId="{383C8295-2CAC-408C-8A6B-29240977C504}" dt="2021-11-05T20:19:42.263" v="68" actId="6549"/>
+      <pc:chgData name="Anatoliy Kigel" userId="7432c6c4687b0a9c" providerId="LiveId" clId="{383C8295-2CAC-408C-8A6B-29240977C504}" dt="2021-11-06T07:19:10.055" v="377" actId="113"/>
       <pc:docMkLst>
         <pc:docMk/>
       </pc:docMkLst>
@@ -319,11 +319,82 @@
         </pc:spChg>
       </pc:sldChg>
       <pc:sldChg chg="delSp modSp mod">
-        <pc:chgData name="Anatoliy Kigel" userId="7432c6c4687b0a9c" providerId="LiveId" clId="{383C8295-2CAC-408C-8A6B-29240977C504}" dt="2021-11-05T20:16:47.022" v="15" actId="1035"/>
+        <pc:chgData name="Anatoliy Kigel" userId="7432c6c4687b0a9c" providerId="LiveId" clId="{383C8295-2CAC-408C-8A6B-29240977C504}" dt="2021-11-06T07:12:39.921" v="86" actId="14100"/>
+        <pc:sldMkLst>
+          <pc:docMk/>
+          <pc:sldMk cId="0" sldId="477"/>
+        </pc:sldMkLst>
+        <pc:spChg chg="mod">
+          <ac:chgData name="Anatoliy Kigel" userId="7432c6c4687b0a9c" providerId="LiveId" clId="{383C8295-2CAC-408C-8A6B-29240977C504}" dt="2021-11-06T07:12:08.846" v="84" actId="1036"/>
+          <ac:spMkLst>
+            <pc:docMk/>
+            <pc:sldMk cId="0" sldId="477"/>
+            <ac:spMk id="4" creationId="{00000000-0000-0000-0000-000000000000}"/>
+          </ac:spMkLst>
+        </pc:spChg>
+        <pc:spChg chg="mod">
+          <ac:chgData name="Anatoliy Kigel" userId="7432c6c4687b0a9c" providerId="LiveId" clId="{383C8295-2CAC-408C-8A6B-29240977C504}" dt="2021-11-06T07:12:07.920" v="80" actId="1036"/>
+          <ac:spMkLst>
+            <pc:docMk/>
+            <pc:sldMk cId="0" sldId="477"/>
+            <ac:spMk id="5" creationId="{00000000-0000-0000-0000-000000000000}"/>
+          </ac:spMkLst>
+        </pc:spChg>
+        <pc:spChg chg="del">
+          <ac:chgData name="Anatoliy Kigel" userId="7432c6c4687b0a9c" providerId="LiveId" clId="{383C8295-2CAC-408C-8A6B-29240977C504}" dt="2021-11-06T07:11:55.768" v="69" actId="478"/>
+          <ac:spMkLst>
+            <pc:docMk/>
+            <pc:sldMk cId="0" sldId="477"/>
+            <ac:spMk id="8" creationId="{00000000-0000-0000-0000-000000000000}"/>
+          </ac:spMkLst>
+        </pc:spChg>
+        <pc:spChg chg="del">
+          <ac:chgData name="Anatoliy Kigel" userId="7432c6c4687b0a9c" providerId="LiveId" clId="{383C8295-2CAC-408C-8A6B-29240977C504}" dt="2021-11-06T07:11:57.966" v="71" actId="478"/>
+          <ac:spMkLst>
+            <pc:docMk/>
+            <pc:sldMk cId="0" sldId="477"/>
+            <ac:spMk id="9" creationId="{00000000-0000-0000-0000-000000000000}"/>
+          </ac:spMkLst>
+        </pc:spChg>
+        <pc:picChg chg="mod">
+          <ac:chgData name="Anatoliy Kigel" userId="7432c6c4687b0a9c" providerId="LiveId" clId="{383C8295-2CAC-408C-8A6B-29240977C504}" dt="2021-11-06T07:12:02.293" v="73" actId="1076"/>
+          <ac:picMkLst>
+            <pc:docMk/>
+            <pc:sldMk cId="0" sldId="477"/>
+            <ac:picMk id="1028" creationId="{00000000-0000-0000-0000-000000000000}"/>
+          </ac:picMkLst>
+        </pc:picChg>
+        <pc:picChg chg="mod">
+          <ac:chgData name="Anatoliy Kigel" userId="7432c6c4687b0a9c" providerId="LiveId" clId="{383C8295-2CAC-408C-8A6B-29240977C504}" dt="2021-11-06T07:12:04.170" v="74" actId="1076"/>
+          <ac:picMkLst>
+            <pc:docMk/>
+            <pc:sldMk cId="0" sldId="477"/>
+            <ac:picMk id="1030" creationId="{00000000-0000-0000-0000-000000000000}"/>
+          </ac:picMkLst>
+        </pc:picChg>
+        <pc:picChg chg="mod">
+          <ac:chgData name="Anatoliy Kigel" userId="7432c6c4687b0a9c" providerId="LiveId" clId="{383C8295-2CAC-408C-8A6B-29240977C504}" dt="2021-11-06T07:12:39.921" v="86" actId="14100"/>
+          <ac:picMkLst>
+            <pc:docMk/>
+            <pc:sldMk cId="0" sldId="477"/>
+            <ac:picMk id="2050" creationId="{00000000-0000-0000-0000-000000000000}"/>
+          </ac:picMkLst>
+        </pc:picChg>
+      </pc:sldChg>
+      <pc:sldChg chg="delSp modSp mod">
+        <pc:chgData name="Anatoliy Kigel" userId="7432c6c4687b0a9c" providerId="LiveId" clId="{383C8295-2CAC-408C-8A6B-29240977C504}" dt="2021-11-06T07:13:22.639" v="152" actId="1035"/>
         <pc:sldMkLst>
           <pc:docMk/>
           <pc:sldMk cId="0" sldId="495"/>
         </pc:sldMkLst>
+        <pc:spChg chg="mod">
+          <ac:chgData name="Anatoliy Kigel" userId="7432c6c4687b0a9c" providerId="LiveId" clId="{383C8295-2CAC-408C-8A6B-29240977C504}" dt="2021-11-06T07:13:22.639" v="152" actId="1035"/>
+          <ac:spMkLst>
+            <pc:docMk/>
+            <pc:sldMk cId="0" sldId="495"/>
+            <ac:spMk id="4" creationId="{00000000-0000-0000-0000-000000000000}"/>
+          </ac:spMkLst>
+        </pc:spChg>
         <pc:spChg chg="del">
           <ac:chgData name="Anatoliy Kigel" userId="7432c6c4687b0a9c" providerId="LiveId" clId="{383C8295-2CAC-408C-8A6B-29240977C504}" dt="2021-11-05T20:16:42.791" v="0" actId="478"/>
           <ac:spMkLst>
@@ -349,12 +420,28 @@
           </ac:picMkLst>
         </pc:picChg>
       </pc:sldChg>
-      <pc:sldChg chg="delSp modSp mod">
-        <pc:chgData name="Anatoliy Kigel" userId="7432c6c4687b0a9c" providerId="LiveId" clId="{383C8295-2CAC-408C-8A6B-29240977C504}" dt="2021-11-05T20:17:05.105" v="28" actId="1035"/>
+      <pc:sldChg chg="addSp delSp modSp mod">
+        <pc:chgData name="Anatoliy Kigel" userId="7432c6c4687b0a9c" providerId="LiveId" clId="{383C8295-2CAC-408C-8A6B-29240977C504}" dt="2021-11-06T07:13:26.730" v="155" actId="1036"/>
         <pc:sldMkLst>
           <pc:docMk/>
           <pc:sldMk cId="0" sldId="497"/>
         </pc:sldMkLst>
+        <pc:spChg chg="add mod">
+          <ac:chgData name="Anatoliy Kigel" userId="7432c6c4687b0a9c" providerId="LiveId" clId="{383C8295-2CAC-408C-8A6B-29240977C504}" dt="2021-11-06T07:13:26.730" v="155" actId="1036"/>
+          <ac:spMkLst>
+            <pc:docMk/>
+            <pc:sldMk cId="0" sldId="497"/>
+            <ac:spMk id="6" creationId="{DE497329-8AEA-40F6-9048-67B35581CA5B}"/>
+          </ac:spMkLst>
+        </pc:spChg>
+        <pc:spChg chg="del">
+          <ac:chgData name="Anatoliy Kigel" userId="7432c6c4687b0a9c" providerId="LiveId" clId="{383C8295-2CAC-408C-8A6B-29240977C504}" dt="2021-11-06T07:13:25.676" v="153" actId="478"/>
+          <ac:spMkLst>
+            <pc:docMk/>
+            <pc:sldMk cId="0" sldId="497"/>
+            <ac:spMk id="8" creationId="{00000000-0000-0000-0000-000000000000}"/>
+          </ac:spMkLst>
+        </pc:spChg>
         <pc:spChg chg="del">
           <ac:chgData name="Anatoliy Kigel" userId="7432c6c4687b0a9c" providerId="LiveId" clId="{383C8295-2CAC-408C-8A6B-29240977C504}" dt="2021-11-05T20:17:02.022" v="16" actId="478"/>
           <ac:spMkLst>
@@ -379,6 +466,29 @@
             <ac:picMk id="9" creationId="{00000000-0000-0000-0000-000000000000}"/>
           </ac:picMkLst>
         </pc:picChg>
+      </pc:sldChg>
+      <pc:sldChg chg="modSp mod">
+        <pc:chgData name="Anatoliy Kigel" userId="7432c6c4687b0a9c" providerId="LiveId" clId="{383C8295-2CAC-408C-8A6B-29240977C504}" dt="2021-11-06T07:15:13.542" v="163" actId="2085"/>
+        <pc:sldMkLst>
+          <pc:docMk/>
+          <pc:sldMk cId="1912894025" sldId="517"/>
+        </pc:sldMkLst>
+        <pc:spChg chg="mod">
+          <ac:chgData name="Anatoliy Kigel" userId="7432c6c4687b0a9c" providerId="LiveId" clId="{383C8295-2CAC-408C-8A6B-29240977C504}" dt="2021-11-06T07:14:50.978" v="159" actId="207"/>
+          <ac:spMkLst>
+            <pc:docMk/>
+            <pc:sldMk cId="1912894025" sldId="517"/>
+            <ac:spMk id="8" creationId="{00000000-0000-0000-0000-000000000000}"/>
+          </ac:spMkLst>
+        </pc:spChg>
+        <pc:spChg chg="mod">
+          <ac:chgData name="Anatoliy Kigel" userId="7432c6c4687b0a9c" providerId="LiveId" clId="{383C8295-2CAC-408C-8A6B-29240977C504}" dt="2021-11-06T07:15:13.542" v="163" actId="2085"/>
+          <ac:spMkLst>
+            <pc:docMk/>
+            <pc:sldMk cId="1912894025" sldId="517"/>
+            <ac:spMk id="10" creationId="{00000000-0000-0000-0000-000000000000}"/>
+          </ac:spMkLst>
+        </pc:spChg>
       </pc:sldChg>
       <pc:sldChg chg="modSp mod">
         <pc:chgData name="Anatoliy Kigel" userId="7432c6c4687b0a9c" providerId="LiveId" clId="{383C8295-2CAC-408C-8A6B-29240977C504}" dt="2021-11-05T20:18:23.775" v="61" actId="20577"/>
@@ -411,6 +521,21 @@
         </pc:spChg>
       </pc:sldChg>
       <pc:sldChg chg="modSp mod">
+        <pc:chgData name="Anatoliy Kigel" userId="7432c6c4687b0a9c" providerId="LiveId" clId="{383C8295-2CAC-408C-8A6B-29240977C504}" dt="2021-11-06T07:15:48.995" v="165" actId="208"/>
+        <pc:sldMkLst>
+          <pc:docMk/>
+          <pc:sldMk cId="344343635" sldId="567"/>
+        </pc:sldMkLst>
+        <pc:picChg chg="mod">
+          <ac:chgData name="Anatoliy Kigel" userId="7432c6c4687b0a9c" providerId="LiveId" clId="{383C8295-2CAC-408C-8A6B-29240977C504}" dt="2021-11-06T07:15:48.995" v="165" actId="208"/>
+          <ac:picMkLst>
+            <pc:docMk/>
+            <pc:sldMk cId="344343635" sldId="567"/>
+            <ac:picMk id="3" creationId="{00000000-0000-0000-0000-000000000000}"/>
+          </ac:picMkLst>
+        </pc:picChg>
+      </pc:sldChg>
+      <pc:sldChg chg="modSp mod">
         <pc:chgData name="Anatoliy Kigel" userId="7432c6c4687b0a9c" providerId="LiveId" clId="{383C8295-2CAC-408C-8A6B-29240977C504}" dt="2021-11-05T20:19:42.263" v="68" actId="6549"/>
         <pc:sldMkLst>
           <pc:docMk/>
@@ -422,6 +547,29 @@
             <pc:docMk/>
             <pc:sldMk cId="2263771589" sldId="572"/>
             <ac:spMk id="12" creationId="{00000000-0000-0000-0000-000000000000}"/>
+          </ac:spMkLst>
+        </pc:spChg>
+      </pc:sldChg>
+      <pc:sldChg chg="addSp modSp mod">
+        <pc:chgData name="Anatoliy Kigel" userId="7432c6c4687b0a9c" providerId="LiveId" clId="{383C8295-2CAC-408C-8A6B-29240977C504}" dt="2021-11-06T07:19:10.055" v="377" actId="113"/>
+        <pc:sldMkLst>
+          <pc:docMk/>
+          <pc:sldMk cId="3390331817" sldId="584"/>
+        </pc:sldMkLst>
+        <pc:spChg chg="add mod">
+          <ac:chgData name="Anatoliy Kigel" userId="7432c6c4687b0a9c" providerId="LiveId" clId="{383C8295-2CAC-408C-8A6B-29240977C504}" dt="2021-11-06T07:19:10.055" v="377" actId="113"/>
+          <ac:spMkLst>
+            <pc:docMk/>
+            <pc:sldMk cId="3390331817" sldId="584"/>
+            <ac:spMk id="2" creationId="{BD30F48A-C7F2-4B7D-B26A-B7928643EBE2}"/>
+          </ac:spMkLst>
+        </pc:spChg>
+        <pc:spChg chg="mod">
+          <ac:chgData name="Anatoliy Kigel" userId="7432c6c4687b0a9c" providerId="LiveId" clId="{383C8295-2CAC-408C-8A6B-29240977C504}" dt="2021-11-06T07:17:22.625" v="363" actId="1076"/>
+          <ac:spMkLst>
+            <pc:docMk/>
+            <pc:sldMk cId="3390331817" sldId="584"/>
+            <ac:spMk id="7" creationId="{AF0B888C-C852-410E-87ED-05B50A43B33A}"/>
           </ac:spMkLst>
         </pc:spChg>
       </pc:sldChg>
@@ -849,7 +997,7 @@
             <a:fld id="{85522811-C5C6-42D2-A409-F8556720C93F}" type="datetimeFigureOut">
               <a:rPr lang="uk-UA" smtClean="0"/>
               <a:pPr/>
-              <a:t>05.11.2021</a:t>
+              <a:t>06.11.2021</a:t>
             </a:fld>
             <a:endParaRPr lang="uk-UA"/>
           </a:p>
@@ -1389,7 +1537,7 @@
             <a:fld id="{E6FC6B0D-6115-4D7C-8040-9C8E2349BB6E}" type="datetime1">
               <a:rPr lang="uk-UA" smtClean="0"/>
               <a:pPr/>
-              <a:t>05.11.2021</a:t>
+              <a:t>06.11.2021</a:t>
             </a:fld>
             <a:endParaRPr lang="uk-UA"/>
           </a:p>
@@ -1556,7 +1704,7 @@
             <a:fld id="{996367BA-0A39-4DE2-BFC3-D5290044365E}" type="datetime1">
               <a:rPr lang="uk-UA" smtClean="0"/>
               <a:pPr/>
-              <a:t>05.11.2021</a:t>
+              <a:t>06.11.2021</a:t>
             </a:fld>
             <a:endParaRPr lang="uk-UA"/>
           </a:p>
@@ -1733,7 +1881,7 @@
             <a:fld id="{1BD6A67F-6C29-47DC-AF8A-FDB3C787DF70}" type="datetime1">
               <a:rPr lang="uk-UA" smtClean="0"/>
               <a:pPr/>
-              <a:t>05.11.2021</a:t>
+              <a:t>06.11.2021</a:t>
             </a:fld>
             <a:endParaRPr lang="uk-UA"/>
           </a:p>
@@ -1900,7 +2048,7 @@
             <a:fld id="{1657D9C5-7FF1-434F-B56E-9BAD559744E9}" type="datetime1">
               <a:rPr lang="uk-UA" smtClean="0"/>
               <a:pPr/>
-              <a:t>05.11.2021</a:t>
+              <a:t>06.11.2021</a:t>
             </a:fld>
             <a:endParaRPr lang="uk-UA"/>
           </a:p>
@@ -2143,7 +2291,7 @@
             <a:fld id="{2CEB0FC9-DE63-476B-A1A9-BE934D9049F8}" type="datetime1">
               <a:rPr lang="uk-UA" smtClean="0"/>
               <a:pPr/>
-              <a:t>05.11.2021</a:t>
+              <a:t>06.11.2021</a:t>
             </a:fld>
             <a:endParaRPr lang="uk-UA"/>
           </a:p>
@@ -2428,7 +2576,7 @@
             <a:fld id="{F964460F-86E2-4DF6-9D0F-12F5005CF375}" type="datetime1">
               <a:rPr lang="uk-UA" smtClean="0"/>
               <a:pPr/>
-              <a:t>05.11.2021</a:t>
+              <a:t>06.11.2021</a:t>
             </a:fld>
             <a:endParaRPr lang="uk-UA"/>
           </a:p>
@@ -2847,7 +2995,7 @@
             <a:fld id="{C521715E-DDCD-4267-B0A5-2918B6F6768A}" type="datetime1">
               <a:rPr lang="uk-UA" smtClean="0"/>
               <a:pPr/>
-              <a:t>05.11.2021</a:t>
+              <a:t>06.11.2021</a:t>
             </a:fld>
             <a:endParaRPr lang="uk-UA"/>
           </a:p>
@@ -2962,7 +3110,7 @@
             <a:fld id="{9289842C-EB2D-4EBB-A272-2F6A49D9794D}" type="datetime1">
               <a:rPr lang="uk-UA" smtClean="0"/>
               <a:pPr/>
-              <a:t>05.11.2021</a:t>
+              <a:t>06.11.2021</a:t>
             </a:fld>
             <a:endParaRPr lang="uk-UA"/>
           </a:p>
@@ -3054,7 +3202,7 @@
             <a:fld id="{D036F091-B700-4B52-99AC-85D0FD94D904}" type="datetime1">
               <a:rPr lang="uk-UA" smtClean="0"/>
               <a:pPr/>
-              <a:t>05.11.2021</a:t>
+              <a:t>06.11.2021</a:t>
             </a:fld>
             <a:endParaRPr lang="uk-UA"/>
           </a:p>
@@ -3328,7 +3476,7 @@
             <a:fld id="{B35DFABA-3811-4634-B803-2EAC4CD0063B}" type="datetime1">
               <a:rPr lang="uk-UA" smtClean="0"/>
               <a:pPr/>
-              <a:t>05.11.2021</a:t>
+              <a:t>06.11.2021</a:t>
             </a:fld>
             <a:endParaRPr lang="uk-UA"/>
           </a:p>
@@ -3578,7 +3726,7 @@
             <a:fld id="{8A9EA25E-F88E-463A-A119-D1E55A881002}" type="datetime1">
               <a:rPr lang="uk-UA" smtClean="0"/>
               <a:pPr/>
-              <a:t>05.11.2021</a:t>
+              <a:t>06.11.2021</a:t>
             </a:fld>
             <a:endParaRPr lang="uk-UA"/>
           </a:p>
@@ -3788,7 +3936,7 @@
             <a:fld id="{E708ED03-0080-49A2-B709-7DA4ACB3A1C3}" type="datetime1">
               <a:rPr lang="uk-UA" smtClean="0"/>
               <a:pPr/>
-              <a:t>05.11.2021</a:t>
+              <a:t>06.11.2021</a:t>
             </a:fld>
             <a:endParaRPr lang="uk-UA"/>
           </a:p>
@@ -6548,7 +6696,7 @@
         </p:nvSpPr>
         <p:spPr>
           <a:xfrm>
-            <a:off x="3429104" y="379021"/>
+            <a:off x="3429104" y="622429"/>
             <a:ext cx="5012911" cy="646331"/>
           </a:xfrm>
           <a:prstGeom prst="rect">
@@ -6577,7 +6725,7 @@
         </p:nvSpPr>
         <p:spPr>
           <a:xfrm>
-            <a:off x="3453882" y="1025352"/>
+            <a:off x="3453882" y="1445875"/>
             <a:ext cx="4946374" cy="830997"/>
           </a:xfrm>
           <a:prstGeom prst="rect">
@@ -6616,7 +6764,7 @@
         <p:spPr bwMode="auto">
           <a:xfrm>
             <a:off x="0" y="0"/>
-            <a:ext cx="3143672" cy="6858000"/>
+            <a:ext cx="3237858" cy="6858000"/>
           </a:xfrm>
           <a:prstGeom prst="rect">
             <a:avLst/>
@@ -6672,74 +6820,6 @@
           </a:effectLst>
         </p:spPr>
       </p:pic>
-      <p:sp>
-        <p:nvSpPr>
-          <p:cNvPr id="8" name="TextBox 7"/>
-          <p:cNvSpPr txBox="1"/>
-          <p:nvPr/>
-        </p:nvSpPr>
-        <p:spPr>
-          <a:xfrm>
-            <a:off x="3320302" y="2481350"/>
-            <a:ext cx="2412263" cy="523220"/>
-          </a:xfrm>
-          <a:prstGeom prst="rect">
-            <a:avLst/>
-          </a:prstGeom>
-          <a:noFill/>
-        </p:spPr>
-        <p:txBody>
-          <a:bodyPr wrap="none" rtlCol="0">
-            <a:spAutoFit/>
-          </a:bodyPr>
-          <a:lstStyle/>
-          <a:p>
-            <a:r>
-              <a:rPr lang="en-US" sz="2800" i="1" dirty="0"/>
-              <a:t>&lt;= </a:t>
-            </a:r>
-            <a:r>
-              <a:rPr lang="en-US" sz="2800" i="1" dirty="0" err="1"/>
-              <a:t>MouseEvent</a:t>
-            </a:r>
-            <a:endParaRPr lang="ru-RU" sz="2800" i="1" dirty="0"/>
-          </a:p>
-        </p:txBody>
-      </p:sp>
-      <p:sp>
-        <p:nvSpPr>
-          <p:cNvPr id="9" name="TextBox 8"/>
-          <p:cNvSpPr txBox="1"/>
-          <p:nvPr/>
-        </p:nvSpPr>
-        <p:spPr>
-          <a:xfrm>
-            <a:off x="5677039" y="4869160"/>
-            <a:ext cx="2793522" cy="523220"/>
-          </a:xfrm>
-          <a:prstGeom prst="rect">
-            <a:avLst/>
-          </a:prstGeom>
-          <a:noFill/>
-        </p:spPr>
-        <p:txBody>
-          <a:bodyPr wrap="none" rtlCol="0">
-            <a:spAutoFit/>
-          </a:bodyPr>
-          <a:lstStyle/>
-          <a:p>
-            <a:r>
-              <a:rPr lang="en-US" sz="2800" i="1" dirty="0" err="1"/>
-              <a:t>KeyboardEvent</a:t>
-            </a:r>
-            <a:r>
-              <a:rPr lang="en-US" sz="2800" i="1" dirty="0"/>
-              <a:t> =&gt;</a:t>
-            </a:r>
-            <a:endParaRPr lang="ru-RU" sz="2800" i="1" dirty="0"/>
-          </a:p>
-        </p:txBody>
-      </p:sp>
       <p:pic>
         <p:nvPicPr>
           <p:cNvPr id="1028" name="Picture 4" descr="http://icons.iconarchive.com/icons/iconsmind/outline/512/Mouse-3-icon.png"/>
@@ -6763,7 +6843,7 @@
         </p:blipFill>
         <p:spPr bwMode="auto">
           <a:xfrm>
-            <a:off x="3944047" y="3060232"/>
+            <a:off x="3287922" y="3072147"/>
             <a:ext cx="1400336" cy="1400336"/>
           </a:xfrm>
           <a:prstGeom prst="rect">
@@ -6804,7 +6884,7 @@
         </p:blipFill>
         <p:spPr bwMode="auto">
           <a:xfrm>
-            <a:off x="6086073" y="2657544"/>
+            <a:off x="6168008" y="2564904"/>
             <a:ext cx="2126790" cy="2126790"/>
           </a:xfrm>
           <a:prstGeom prst="rect">
@@ -7004,7 +7084,7 @@
         </p:nvSpPr>
         <p:spPr>
           <a:xfrm>
-            <a:off x="0" y="188640"/>
+            <a:off x="0" y="332656"/>
             <a:ext cx="12192000" cy="646331"/>
           </a:xfrm>
           <a:prstGeom prst="rect">
@@ -7021,21 +7101,8 @@
             <a:pPr algn="ctr"/>
             <a:r>
               <a:rPr lang="ru-RU" sz="3600" b="1" dirty="0"/>
-              <a:t>Позиция курсора мыши</a:t>
-            </a:r>
-            <a:r>
-              <a:rPr lang="en-US" sz="3600" b="1" dirty="0"/>
-              <a:t> </a:t>
-            </a:r>
-            <a:r>
-              <a:rPr lang="ru-RU" sz="3600" b="1" dirty="0"/>
-              <a:t>в объекте </a:t>
-            </a:r>
-            <a:r>
-              <a:rPr lang="en-US" sz="3600" b="1" dirty="0" err="1"/>
-              <a:t>MouseEvent</a:t>
-            </a:r>
-            <a:endParaRPr lang="ru-RU" sz="3600" b="1" dirty="0"/>
+              <a:t>Информация о позиции курсора (пальца)</a:t>
+            </a:r>
           </a:p>
         </p:txBody>
       </p:sp>
@@ -7232,49 +7299,6 @@
           </a:ln>
         </p:spPr>
       </p:pic>
-      <p:sp>
-        <p:nvSpPr>
-          <p:cNvPr id="8" name="TextBox 7"/>
-          <p:cNvSpPr txBox="1"/>
-          <p:nvPr/>
-        </p:nvSpPr>
-        <p:spPr>
-          <a:xfrm>
-            <a:off x="0" y="260648"/>
-            <a:ext cx="12192000" cy="646331"/>
-          </a:xfrm>
-          <a:prstGeom prst="rect">
-            <a:avLst/>
-          </a:prstGeom>
-          <a:noFill/>
-        </p:spPr>
-        <p:txBody>
-          <a:bodyPr wrap="square" rtlCol="0">
-            <a:spAutoFit/>
-          </a:bodyPr>
-          <a:lstStyle/>
-          <a:p>
-            <a:pPr algn="ctr"/>
-            <a:r>
-              <a:rPr lang="ru-RU" sz="3600" b="1" dirty="0"/>
-              <a:t>Позиция курсора мыши</a:t>
-            </a:r>
-            <a:r>
-              <a:rPr lang="en-US" sz="3600" b="1" dirty="0"/>
-              <a:t> </a:t>
-            </a:r>
-            <a:r>
-              <a:rPr lang="ru-RU" sz="3600" b="1" dirty="0"/>
-              <a:t>в объекте </a:t>
-            </a:r>
-            <a:r>
-              <a:rPr lang="en-US" sz="3600" b="1" dirty="0" err="1"/>
-              <a:t>MouseEvent</a:t>
-            </a:r>
-            <a:endParaRPr lang="ru-RU" sz="3600" b="1" dirty="0"/>
-          </a:p>
-        </p:txBody>
-      </p:sp>
       <p:pic>
         <p:nvPicPr>
           <p:cNvPr id="9" name="Picture 4" descr="http://icons.iconarchive.com/icons/iconsmind/outline/512/Mouse-3-icon.png"/>
@@ -7316,6 +7340,42 @@
           </a:extLst>
         </p:spPr>
       </p:pic>
+      <p:sp>
+        <p:nvSpPr>
+          <p:cNvPr id="6" name="TextBox 5">
+            <a:extLst>
+              <a:ext uri="{FF2B5EF4-FFF2-40B4-BE49-F238E27FC236}">
+                <a16:creationId xmlns:a16="http://schemas.microsoft.com/office/drawing/2014/main" id="{DE497329-8AEA-40F6-9048-67B35581CA5B}"/>
+              </a:ext>
+            </a:extLst>
+          </p:cNvPr>
+          <p:cNvSpPr txBox="1"/>
+          <p:nvPr/>
+        </p:nvSpPr>
+        <p:spPr>
+          <a:xfrm>
+            <a:off x="0" y="406405"/>
+            <a:ext cx="12192000" cy="646331"/>
+          </a:xfrm>
+          <a:prstGeom prst="rect">
+            <a:avLst/>
+          </a:prstGeom>
+          <a:noFill/>
+        </p:spPr>
+        <p:txBody>
+          <a:bodyPr wrap="square" rtlCol="0">
+            <a:spAutoFit/>
+          </a:bodyPr>
+          <a:lstStyle/>
+          <a:p>
+            <a:pPr algn="ctr"/>
+            <a:r>
+              <a:rPr lang="ru-RU" sz="3600" b="1" dirty="0"/>
+              <a:t>Информация о позиции курсора (пальца)</a:t>
+            </a:r>
+          </a:p>
+        </p:txBody>
+      </p:sp>
     </p:spTree>
   </p:cSld>
   <p:clrMapOvr>
@@ -9748,9 +9808,7 @@
           </a:prstGeom>
           <a:noFill/>
           <a:ln w="28575">
-            <a:solidFill>
-              <a:srgbClr val="00B0F0"/>
-            </a:solidFill>
+            <a:noFill/>
           </a:ln>
         </p:spPr>
         <p:txBody>
@@ -9761,26 +9819,110 @@
           <a:p>
             <a:r>
               <a:rPr lang="en-US" sz="3200" b="1" dirty="0" err="1">
+                <a:ln w="12700">
+                  <a:solidFill>
+                    <a:schemeClr val="accent3">
+                      <a:lumMod val="50000"/>
+                    </a:schemeClr>
+                  </a:solidFill>
+                  <a:prstDash val="solid"/>
+                </a:ln>
                 <a:solidFill>
-                  <a:srgbClr val="00B050"/>
+                  <a:srgbClr val="FFC000"/>
                 </a:solidFill>
+                <a:effectLst>
+                  <a:innerShdw blurRad="177800">
+                    <a:schemeClr val="accent3">
+                      <a:lumMod val="50000"/>
+                    </a:schemeClr>
+                  </a:innerShdw>
+                </a:effectLst>
               </a:rPr>
               <a:t>e.preventDefault</a:t>
             </a:r>
             <a:r>
               <a:rPr lang="en-US" sz="3200" b="1" dirty="0">
+                <a:ln w="12700">
+                  <a:solidFill>
+                    <a:schemeClr val="accent3">
+                      <a:lumMod val="50000"/>
+                    </a:schemeClr>
+                  </a:solidFill>
+                  <a:prstDash val="solid"/>
+                </a:ln>
                 <a:solidFill>
-                  <a:srgbClr val="00B050"/>
+                  <a:srgbClr val="FFC000"/>
                 </a:solidFill>
+                <a:effectLst>
+                  <a:innerShdw blurRad="177800">
+                    <a:schemeClr val="accent3">
+                      <a:lumMod val="50000"/>
+                    </a:schemeClr>
+                  </a:innerShdw>
+                </a:effectLst>
               </a:rPr>
               <a:t>() </a:t>
             </a:r>
             <a:r>
-              <a:rPr lang="en-US" sz="3200" dirty="0"/>
+              <a:rPr lang="en-US" sz="3200" b="1" dirty="0">
+                <a:ln w="12700">
+                  <a:solidFill>
+                    <a:schemeClr val="accent3">
+                      <a:lumMod val="50000"/>
+                    </a:schemeClr>
+                  </a:solidFill>
+                  <a:prstDash val="solid"/>
+                </a:ln>
+                <a:pattFill prst="narHorz">
+                  <a:fgClr>
+                    <a:schemeClr val="accent3"/>
+                  </a:fgClr>
+                  <a:bgClr>
+                    <a:schemeClr val="accent3">
+                      <a:lumMod val="40000"/>
+                      <a:lumOff val="60000"/>
+                    </a:schemeClr>
+                  </a:bgClr>
+                </a:pattFill>
+                <a:effectLst>
+                  <a:innerShdw blurRad="177800">
+                    <a:schemeClr val="accent3">
+                      <a:lumMod val="50000"/>
+                    </a:schemeClr>
+                  </a:innerShdw>
+                </a:effectLst>
+              </a:rPr>
               <a:t>– </a:t>
             </a:r>
             <a:r>
-              <a:rPr lang="ru-RU" sz="3200" dirty="0"/>
+              <a:rPr lang="ru-RU" sz="3200" b="1" dirty="0">
+                <a:ln w="12700">
+                  <a:solidFill>
+                    <a:schemeClr val="accent3">
+                      <a:lumMod val="50000"/>
+                    </a:schemeClr>
+                  </a:solidFill>
+                  <a:prstDash val="solid"/>
+                </a:ln>
+                <a:pattFill prst="narHorz">
+                  <a:fgClr>
+                    <a:schemeClr val="accent3"/>
+                  </a:fgClr>
+                  <a:bgClr>
+                    <a:schemeClr val="accent3">
+                      <a:lumMod val="40000"/>
+                      <a:lumOff val="60000"/>
+                    </a:schemeClr>
+                  </a:bgClr>
+                </a:pattFill>
+                <a:effectLst>
+                  <a:innerShdw blurRad="177800">
+                    <a:schemeClr val="accent3">
+                      <a:lumMod val="50000"/>
+                    </a:schemeClr>
+                  </a:innerShdw>
+                </a:effectLst>
+              </a:rPr>
               <a:t>отменяет действие по умолчанию (как то переход по ссылке, отправка формы и т.д.).</a:t>
             </a:r>
           </a:p>
@@ -9802,9 +9944,7 @@
           </a:prstGeom>
           <a:noFill/>
           <a:ln w="28575">
-            <a:solidFill>
-              <a:srgbClr val="7030A0"/>
-            </a:solidFill>
+            <a:noFill/>
           </a:ln>
         </p:spPr>
         <p:txBody>
@@ -9815,9 +9955,16 @@
           <a:p>
             <a:r>
               <a:rPr lang="en-US" sz="3200" b="1" dirty="0" err="1">
+                <a:ln w="22225">
+                  <a:solidFill>
+                    <a:schemeClr val="accent2"/>
+                  </a:solidFill>
+                  <a:prstDash val="solid"/>
+                </a:ln>
                 <a:solidFill>
-                  <a:schemeClr val="accent6">
-                    <a:lumMod val="75000"/>
+                  <a:schemeClr val="accent2">
+                    <a:lumMod val="40000"/>
+                    <a:lumOff val="60000"/>
                   </a:schemeClr>
                 </a:solidFill>
               </a:rPr>
@@ -9825,20 +9972,73 @@
             </a:r>
             <a:r>
               <a:rPr lang="en-US" sz="3200" b="1" dirty="0">
+                <a:ln w="22225">
+                  <a:solidFill>
+                    <a:schemeClr val="accent2"/>
+                  </a:solidFill>
+                  <a:prstDash val="solid"/>
+                </a:ln>
                 <a:solidFill>
-                  <a:schemeClr val="accent6">
-                    <a:lumMod val="75000"/>
+                  <a:schemeClr val="accent2">
+                    <a:lumMod val="40000"/>
+                    <a:lumOff val="60000"/>
                   </a:schemeClr>
                 </a:solidFill>
               </a:rPr>
               <a:t>() </a:t>
             </a:r>
             <a:r>
-              <a:rPr lang="en-US" sz="3200" dirty="0"/>
+              <a:rPr lang="en-US" sz="3200" b="1" dirty="0">
+                <a:ln w="12700">
+                  <a:solidFill>
+                    <a:schemeClr val="accent1"/>
+                  </a:solidFill>
+                  <a:prstDash val="solid"/>
+                </a:ln>
+                <a:pattFill prst="pct50">
+                  <a:fgClr>
+                    <a:schemeClr val="accent1"/>
+                  </a:fgClr>
+                  <a:bgClr>
+                    <a:schemeClr val="accent1">
+                      <a:lumMod val="20000"/>
+                      <a:lumOff val="80000"/>
+                    </a:schemeClr>
+                  </a:bgClr>
+                </a:pattFill>
+                <a:effectLst>
+                  <a:outerShdw dist="38100" dir="2640000" algn="bl" rotWithShape="0">
+                    <a:schemeClr val="accent1"/>
+                  </a:outerShdw>
+                </a:effectLst>
+              </a:rPr>
               <a:t>– </a:t>
             </a:r>
             <a:r>
-              <a:rPr lang="ru-RU" sz="3200" dirty="0"/>
+              <a:rPr lang="ru-RU" sz="3200" b="1" dirty="0">
+                <a:ln w="12700">
+                  <a:solidFill>
+                    <a:schemeClr val="accent1"/>
+                  </a:solidFill>
+                  <a:prstDash val="solid"/>
+                </a:ln>
+                <a:pattFill prst="pct50">
+                  <a:fgClr>
+                    <a:schemeClr val="accent1"/>
+                  </a:fgClr>
+                  <a:bgClr>
+                    <a:schemeClr val="accent1">
+                      <a:lumMod val="20000"/>
+                      <a:lumOff val="80000"/>
+                    </a:schemeClr>
+                  </a:bgClr>
+                </a:pattFill>
+                <a:effectLst>
+                  <a:outerShdw dist="38100" dir="2640000" algn="bl" rotWithShape="0">
+                    <a:schemeClr val="accent1"/>
+                  </a:outerShdw>
+                </a:effectLst>
+              </a:rPr>
               <a:t>останавливает всплытие события, т.е. после вызова этого метода элементы далее по иерархии уже не получат уведомление о событии.</a:t>
             </a:r>
           </a:p>
@@ -10154,7 +10354,9 @@
           </a:prstGeom>
           <a:ln>
             <a:solidFill>
-              <a:srgbClr val="FFC000"/>
+              <a:schemeClr val="bg1">
+                <a:lumMod val="85000"/>
+              </a:schemeClr>
             </a:solidFill>
           </a:ln>
           <a:effectLst>
@@ -13181,7 +13383,7 @@
         </p:nvSpPr>
         <p:spPr>
           <a:xfrm>
-            <a:off x="7896200" y="3140968"/>
+            <a:off x="8040217" y="1484784"/>
             <a:ext cx="3816424" cy="2031325"/>
           </a:xfrm>
           <a:prstGeom prst="rect">
@@ -13266,6 +13468,113 @@
           </a:prstGeom>
         </p:spPr>
       </p:pic>
+      <p:sp>
+        <p:nvSpPr>
+          <p:cNvPr id="2" name="TextBox 1">
+            <a:extLst>
+              <a:ext uri="{FF2B5EF4-FFF2-40B4-BE49-F238E27FC236}">
+                <a16:creationId xmlns:a16="http://schemas.microsoft.com/office/drawing/2014/main" id="{BD30F48A-C7F2-4B7D-B26A-B7928643EBE2}"/>
+              </a:ext>
+            </a:extLst>
+          </p:cNvPr>
+          <p:cNvSpPr txBox="1"/>
+          <p:nvPr/>
+        </p:nvSpPr>
+        <p:spPr>
+          <a:xfrm>
+            <a:off x="8040217" y="3645024"/>
+            <a:ext cx="3672407" cy="2450094"/>
+          </a:xfrm>
+          <a:prstGeom prst="rect">
+            <a:avLst/>
+          </a:prstGeom>
+          <a:noFill/>
+        </p:spPr>
+        <p:txBody>
+          <a:bodyPr wrap="square" rtlCol="0">
+            <a:spAutoFit/>
+          </a:bodyPr>
+          <a:lstStyle/>
+          <a:p>
+            <a:pPr>
+              <a:lnSpc>
+                <a:spcPct val="107000"/>
+              </a:lnSpc>
+              <a:spcAft>
+                <a:spcPts val="800"/>
+              </a:spcAft>
+            </a:pPr>
+            <a:r>
+              <a:rPr lang="ru-RU" sz="1800" dirty="0">
+                <a:effectLst/>
+                <a:latin typeface="Calibri" panose="020F0502020204030204" pitchFamily="34" charset="0"/>
+                <a:ea typeface="Calibri" panose="020F0502020204030204" pitchFamily="34" charset="0"/>
+                <a:cs typeface="Times New Roman" panose="02020603050405020304" pitchFamily="18" charset="0"/>
+              </a:rPr>
+              <a:t>Реализуйте вывод списка товаров, а также обеспечьте работу сортировки по цене.</a:t>
+            </a:r>
+            <a:br>
+              <a:rPr lang="ru-RU" sz="1800" dirty="0">
+                <a:effectLst/>
+                <a:latin typeface="Calibri" panose="020F0502020204030204" pitchFamily="34" charset="0"/>
+                <a:ea typeface="Calibri" panose="020F0502020204030204" pitchFamily="34" charset="0"/>
+                <a:cs typeface="Times New Roman" panose="02020603050405020304" pitchFamily="18" charset="0"/>
+              </a:rPr>
+            </a:br>
+            <a:r>
+              <a:rPr lang="ru-RU" sz="1800" dirty="0">
+                <a:effectLst/>
+                <a:latin typeface="Calibri" panose="020F0502020204030204" pitchFamily="34" charset="0"/>
+                <a:ea typeface="Calibri" panose="020F0502020204030204" pitchFamily="34" charset="0"/>
+                <a:cs typeface="Times New Roman" panose="02020603050405020304" pitchFamily="18" charset="0"/>
+              </a:rPr>
+              <a:t>Но </a:t>
+            </a:r>
+            <a:r>
+              <a:rPr lang="ru-RU" sz="1800" b="1" dirty="0">
+                <a:effectLst/>
+                <a:latin typeface="Calibri" panose="020F0502020204030204" pitchFamily="34" charset="0"/>
+                <a:ea typeface="Calibri" panose="020F0502020204030204" pitchFamily="34" charset="0"/>
+                <a:cs typeface="Times New Roman" panose="02020603050405020304" pitchFamily="18" charset="0"/>
+              </a:rPr>
+              <a:t>изначально</a:t>
+            </a:r>
+            <a:r>
+              <a:rPr lang="ru-RU" sz="1800" dirty="0">
+                <a:effectLst/>
+                <a:latin typeface="Calibri" panose="020F0502020204030204" pitchFamily="34" charset="0"/>
+                <a:ea typeface="Calibri" panose="020F0502020204030204" pitchFamily="34" charset="0"/>
+                <a:cs typeface="Times New Roman" panose="02020603050405020304" pitchFamily="18" charset="0"/>
+              </a:rPr>
+              <a:t> (после загрузки страницы) </a:t>
+            </a:r>
+            <a:r>
+              <a:rPr lang="ru-RU" sz="1800" b="1" dirty="0">
+                <a:effectLst/>
+                <a:latin typeface="Calibri" panose="020F0502020204030204" pitchFamily="34" charset="0"/>
+                <a:ea typeface="Calibri" panose="020F0502020204030204" pitchFamily="34" charset="0"/>
+                <a:cs typeface="Times New Roman" panose="02020603050405020304" pitchFamily="18" charset="0"/>
+              </a:rPr>
+              <a:t>должен выводиться список в той же последовательности, в которой пришли данные от API</a:t>
+            </a:r>
+            <a:r>
+              <a:rPr lang="ru-RU" sz="1800" dirty="0">
+                <a:effectLst/>
+                <a:latin typeface="Calibri" panose="020F0502020204030204" pitchFamily="34" charset="0"/>
+                <a:ea typeface="Calibri" panose="020F0502020204030204" pitchFamily="34" charset="0"/>
+                <a:cs typeface="Times New Roman" panose="02020603050405020304" pitchFamily="18" charset="0"/>
+              </a:rPr>
+              <a:t>.  </a:t>
+            </a:r>
+            <a:endParaRPr lang="uk-UA" sz="1800" dirty="0">
+              <a:effectLst/>
+              <a:latin typeface="Calibri" panose="020F0502020204030204" pitchFamily="34" charset="0"/>
+              <a:ea typeface="Calibri" panose="020F0502020204030204" pitchFamily="34" charset="0"/>
+              <a:cs typeface="Times New Roman" panose="02020603050405020304" pitchFamily="18" charset="0"/>
+            </a:endParaRPr>
+          </a:p>
+        </p:txBody>
+      </p:sp>
     </p:spTree>
     <p:extLst>
       <p:ext uri="{BB962C8B-B14F-4D97-AF65-F5344CB8AC3E}">
